--- a/Mo’ Pantry.pptx
+++ b/Mo’ Pantry.pptx
@@ -7227,8 +7227,8 @@
         </p:nvSpPr>
         <p:spPr>
           <a:xfrm>
-            <a:off x="1826550" y="1440875"/>
-            <a:ext cx="5591700" cy="2924700"/>
+            <a:off x="1636575" y="1440875"/>
+            <a:ext cx="6393600" cy="2924700"/>
           </a:xfrm>
           <a:prstGeom prst="rect">
             <a:avLst/>
@@ -7260,7 +7260,125 @@
                 <a:cs typeface="Open Sans"/>
                 <a:sym typeface="Open Sans"/>
               </a:rPr>
-              <a:t>To reduce food waste and hunger, our website would help pair people that have excess food with others who are in need. Cooked a little extra? Have a lot of leftovers from an event? Extra food in your pantry? No need to throw it out, just upload it to Mo’ Pantry and you can help feed someone in your community that could have otherwise gone to sleep hungry.</a:t>
+              <a:t>To Reduce Food Waste and Hunger:</a:t>
+            </a:r>
+            <a:endParaRPr sz="1800">
+              <a:latin typeface="Open Sans"/>
+              <a:ea typeface="Open Sans"/>
+              <a:cs typeface="Open Sans"/>
+              <a:sym typeface="Open Sans"/>
+            </a:endParaRPr>
+          </a:p>
+          <a:p>
+            <a:pPr indent="0" lvl="0" marL="0" rtl="0" algn="l">
+              <a:spcBef>
+                <a:spcPts val="0"/>
+              </a:spcBef>
+              <a:spcAft>
+                <a:spcPts val="0"/>
+              </a:spcAft>
+              <a:buNone/>
+            </a:pPr>
+            <a:r>
+              <a:rPr lang="en" sz="1800">
+                <a:latin typeface="Open Sans"/>
+                <a:ea typeface="Open Sans"/>
+                <a:cs typeface="Open Sans"/>
+                <a:sym typeface="Open Sans"/>
+              </a:rPr>
+              <a:t> Using a  website to pair people that have excess food with others who are in need. </a:t>
+            </a:r>
+            <a:endParaRPr sz="1800">
+              <a:latin typeface="Open Sans"/>
+              <a:ea typeface="Open Sans"/>
+              <a:cs typeface="Open Sans"/>
+              <a:sym typeface="Open Sans"/>
+            </a:endParaRPr>
+          </a:p>
+          <a:p>
+            <a:pPr indent="0" lvl="0" marL="0" rtl="0" algn="l">
+              <a:spcBef>
+                <a:spcPts val="0"/>
+              </a:spcBef>
+              <a:spcAft>
+                <a:spcPts val="0"/>
+              </a:spcAft>
+              <a:buNone/>
+            </a:pPr>
+            <a:r>
+              <a:t/>
+            </a:r>
+            <a:endParaRPr sz="1800">
+              <a:latin typeface="Open Sans"/>
+              <a:ea typeface="Open Sans"/>
+              <a:cs typeface="Open Sans"/>
+              <a:sym typeface="Open Sans"/>
+            </a:endParaRPr>
+          </a:p>
+          <a:p>
+            <a:pPr indent="0" lvl="0" marL="0" rtl="0" algn="l">
+              <a:spcBef>
+                <a:spcPts val="0"/>
+              </a:spcBef>
+              <a:spcAft>
+                <a:spcPts val="0"/>
+              </a:spcAft>
+              <a:buNone/>
+            </a:pPr>
+            <a:r>
+              <a:rPr lang="en" sz="1800">
+                <a:latin typeface="Open Sans"/>
+                <a:ea typeface="Open Sans"/>
+                <a:cs typeface="Open Sans"/>
+                <a:sym typeface="Open Sans"/>
+              </a:rPr>
+              <a:t>Cooked a little extra? Have a lot of leftovers from an event? Extra food in your pantry? </a:t>
+            </a:r>
+            <a:endParaRPr sz="1800">
+              <a:latin typeface="Open Sans"/>
+              <a:ea typeface="Open Sans"/>
+              <a:cs typeface="Open Sans"/>
+              <a:sym typeface="Open Sans"/>
+            </a:endParaRPr>
+          </a:p>
+          <a:p>
+            <a:pPr indent="0" lvl="0" marL="0" rtl="0" algn="l">
+              <a:spcBef>
+                <a:spcPts val="0"/>
+              </a:spcBef>
+              <a:spcAft>
+                <a:spcPts val="0"/>
+              </a:spcAft>
+              <a:buNone/>
+            </a:pPr>
+            <a:r>
+              <a:t/>
+            </a:r>
+            <a:endParaRPr sz="1800">
+              <a:latin typeface="Open Sans"/>
+              <a:ea typeface="Open Sans"/>
+              <a:cs typeface="Open Sans"/>
+              <a:sym typeface="Open Sans"/>
+            </a:endParaRPr>
+          </a:p>
+          <a:p>
+            <a:pPr indent="0" lvl="0" marL="0" rtl="0" algn="l">
+              <a:spcBef>
+                <a:spcPts val="0"/>
+              </a:spcBef>
+              <a:spcAft>
+                <a:spcPts val="0"/>
+              </a:spcAft>
+              <a:buNone/>
+            </a:pPr>
+            <a:r>
+              <a:rPr lang="en" sz="1800">
+                <a:latin typeface="Open Sans"/>
+                <a:ea typeface="Open Sans"/>
+                <a:cs typeface="Open Sans"/>
+                <a:sym typeface="Open Sans"/>
+              </a:rPr>
+              <a:t>No need to throw it out, just upload it to Mo’ Pantry and you can help feed someone in your community that could have otherwise gone to sleep hungry.</a:t>
             </a:r>
             <a:endParaRPr sz="1800">
               <a:latin typeface="Open Sans"/>
@@ -7602,8 +7720,8 @@
         </p:nvSpPr>
         <p:spPr>
           <a:xfrm>
-            <a:off x="1770450" y="1123350"/>
-            <a:ext cx="5603100" cy="2896800"/>
+            <a:off x="1692025" y="1011300"/>
+            <a:ext cx="5603100" cy="3583200"/>
           </a:xfrm>
           <a:prstGeom prst="rect">
             <a:avLst/>
@@ -7793,6 +7911,34 @@
               <a:t> Open Source Code @ SeeRoCode</a:t>
             </a:r>
             <a:endParaRPr b="1">
+              <a:solidFill>
+                <a:srgbClr val="000000"/>
+              </a:solidFill>
+            </a:endParaRPr>
+          </a:p>
+          <a:p>
+            <a:pPr indent="-317500" lvl="0" marL="457200" rtl="0" algn="l">
+              <a:spcBef>
+                <a:spcPts val="0"/>
+              </a:spcBef>
+              <a:spcAft>
+                <a:spcPts val="0"/>
+              </a:spcAft>
+              <a:buClr>
+                <a:srgbClr val="000000"/>
+              </a:buClr>
+              <a:buSzPts val="1400"/>
+              <a:buChar char="●"/>
+            </a:pPr>
+            <a:r>
+              <a:rPr lang="en" sz="1400">
+                <a:solidFill>
+                  <a:srgbClr val="000000"/>
+                </a:solidFill>
+              </a:rPr>
+              <a:t>Ran into difficulties manipulating our database. We asked the mentors for help as well as googled tutorials online which helped fix our issue. </a:t>
+            </a:r>
+            <a:endParaRPr sz="1400">
               <a:solidFill>
                 <a:srgbClr val="000000"/>
               </a:solidFill>
